--- a/Check-GPT.pptx
+++ b/Check-GPT.pptx
@@ -269,7 +269,7 @@
           <a:p>
             <a:fld id="{AE379E16-4948-A14C-BCBA-A9A3B4103AB4}" type="datetimeFigureOut">
               <a:rPr lang="en-US" smtClean="0"/>
-              <a:t>12/30/22</a:t>
+              <a:t>1/2/23</a:t>
             </a:fld>
             <a:endParaRPr lang="en-US"/>
           </a:p>
@@ -467,7 +467,7 @@
           <a:p>
             <a:fld id="{AE379E16-4948-A14C-BCBA-A9A3B4103AB4}" type="datetimeFigureOut">
               <a:rPr lang="en-US" smtClean="0"/>
-              <a:t>12/30/22</a:t>
+              <a:t>1/2/23</a:t>
             </a:fld>
             <a:endParaRPr lang="en-US"/>
           </a:p>
@@ -675,7 +675,7 @@
           <a:p>
             <a:fld id="{AE379E16-4948-A14C-BCBA-A9A3B4103AB4}" type="datetimeFigureOut">
               <a:rPr lang="en-US" smtClean="0"/>
-              <a:t>12/30/22</a:t>
+              <a:t>1/2/23</a:t>
             </a:fld>
             <a:endParaRPr lang="en-US"/>
           </a:p>
@@ -873,7 +873,7 @@
           <a:p>
             <a:fld id="{AE379E16-4948-A14C-BCBA-A9A3B4103AB4}" type="datetimeFigureOut">
               <a:rPr lang="en-US" smtClean="0"/>
-              <a:t>12/30/22</a:t>
+              <a:t>1/2/23</a:t>
             </a:fld>
             <a:endParaRPr lang="en-US"/>
           </a:p>
@@ -1148,7 +1148,7 @@
           <a:p>
             <a:fld id="{AE379E16-4948-A14C-BCBA-A9A3B4103AB4}" type="datetimeFigureOut">
               <a:rPr lang="en-US" smtClean="0"/>
-              <a:t>12/30/22</a:t>
+              <a:t>1/2/23</a:t>
             </a:fld>
             <a:endParaRPr lang="en-US"/>
           </a:p>
@@ -1413,7 +1413,7 @@
           <a:p>
             <a:fld id="{AE379E16-4948-A14C-BCBA-A9A3B4103AB4}" type="datetimeFigureOut">
               <a:rPr lang="en-US" smtClean="0"/>
-              <a:t>12/30/22</a:t>
+              <a:t>1/2/23</a:t>
             </a:fld>
             <a:endParaRPr lang="en-US"/>
           </a:p>
@@ -1825,7 +1825,7 @@
           <a:p>
             <a:fld id="{AE379E16-4948-A14C-BCBA-A9A3B4103AB4}" type="datetimeFigureOut">
               <a:rPr lang="en-US" smtClean="0"/>
-              <a:t>12/30/22</a:t>
+              <a:t>1/2/23</a:t>
             </a:fld>
             <a:endParaRPr lang="en-US"/>
           </a:p>
@@ -1966,7 +1966,7 @@
           <a:p>
             <a:fld id="{AE379E16-4948-A14C-BCBA-A9A3B4103AB4}" type="datetimeFigureOut">
               <a:rPr lang="en-US" smtClean="0"/>
-              <a:t>12/30/22</a:t>
+              <a:t>1/2/23</a:t>
             </a:fld>
             <a:endParaRPr lang="en-US"/>
           </a:p>
@@ -2079,7 +2079,7 @@
           <a:p>
             <a:fld id="{AE379E16-4948-A14C-BCBA-A9A3B4103AB4}" type="datetimeFigureOut">
               <a:rPr lang="en-US" smtClean="0"/>
-              <a:t>12/30/22</a:t>
+              <a:t>1/2/23</a:t>
             </a:fld>
             <a:endParaRPr lang="en-US"/>
           </a:p>
@@ -2390,7 +2390,7 @@
           <a:p>
             <a:fld id="{AE379E16-4948-A14C-BCBA-A9A3B4103AB4}" type="datetimeFigureOut">
               <a:rPr lang="en-US" smtClean="0"/>
-              <a:t>12/30/22</a:t>
+              <a:t>1/2/23</a:t>
             </a:fld>
             <a:endParaRPr lang="en-US"/>
           </a:p>
@@ -2678,7 +2678,7 @@
           <a:p>
             <a:fld id="{AE379E16-4948-A14C-BCBA-A9A3B4103AB4}" type="datetimeFigureOut">
               <a:rPr lang="en-US" smtClean="0"/>
-              <a:t>12/30/22</a:t>
+              <a:t>1/2/23</a:t>
             </a:fld>
             <a:endParaRPr lang="en-US"/>
           </a:p>
@@ -2919,7 +2919,7 @@
           <a:p>
             <a:fld id="{AE379E16-4948-A14C-BCBA-A9A3B4103AB4}" type="datetimeFigureOut">
               <a:rPr lang="en-US" smtClean="0"/>
-              <a:t>12/30/22</a:t>
+              <a:t>1/2/23</a:t>
             </a:fld>
             <a:endParaRPr lang="en-US"/>
           </a:p>
@@ -3365,7 +3365,7 @@
             </a:r>
             <a:r>
               <a:rPr lang="en-US" sz="5500" dirty="0"/>
-              <a:t> base </a:t>
+              <a:t> based on </a:t>
             </a:r>
             <a:r>
               <a:rPr lang="en-US" sz="5500" dirty="0" err="1"/>
